--- a/Presentation.pptx
+++ b/Presentation.pptx
@@ -15,6 +15,7 @@
     <p:sldId id="264" r:id="rId9"/>
     <p:sldId id="265" r:id="rId10"/>
     <p:sldId id="266" r:id="rId11"/>
+    <p:sldId id="267" r:id="rId12"/>
   </p:sldIdLst>
   <p:sldSz cx="12192000" cy="6858000"/>
   <p:notesSz cx="6858000" cy="9144000"/>
@@ -4593,6 +4594,317 @@
 </p:sld>
 </file>
 
+<file path=ppt/slides/slide11.xml><?xml version="1.0" encoding="utf-8"?>
+<p:sld xmlns:a="http://schemas.openxmlformats.org/drawingml/2006/main" xmlns:r="http://schemas.openxmlformats.org/officeDocument/2006/relationships" xmlns:p="http://schemas.openxmlformats.org/presentationml/2006/main">
+  <p:cSld>
+    <p:bg>
+      <p:bgPr>
+        <a:solidFill>
+          <a:schemeClr val="bg1"/>
+        </a:solidFill>
+        <a:effectLst/>
+      </p:bgPr>
+    </p:bg>
+    <p:spTree>
+      <p:nvGrpSpPr>
+        <p:cNvPr id="1" name=""/>
+        <p:cNvGrpSpPr/>
+        <p:nvPr/>
+      </p:nvGrpSpPr>
+      <p:grpSpPr>
+        <a:xfrm>
+          <a:off x="0" y="0"/>
+          <a:ext cx="0" cy="0"/>
+          <a:chOff x="0" y="0"/>
+          <a:chExt cx="0" cy="0"/>
+        </a:xfrm>
+      </p:grpSpPr>
+      <p:sp>
+        <p:nvSpPr>
+          <p:cNvPr id="47" name="Rectangle 46">
+            <a:extLst>
+              <a:ext uri="{FF2B5EF4-FFF2-40B4-BE49-F238E27FC236}">
+                <a16:creationId xmlns:a16="http://schemas.microsoft.com/office/drawing/2014/main" id="{FBDCECDC-EEE3-4128-AA5E-82A8C08796E8}"/>
+              </a:ext>
+              <a:ext uri="{C183D7F6-B498-43B3-948B-1728B52AA6E4}">
+                <adec:decorative xmlns:adec="http://schemas.microsoft.com/office/drawing/2017/decorative" val="1"/>
+              </a:ext>
+            </a:extLst>
+          </p:cNvPr>
+          <p:cNvSpPr>
+            <a:spLocks noGrp="1" noRot="1" noChangeAspect="1" noMove="1" noResize="1" noEditPoints="1" noAdjustHandles="1" noChangeArrowheads="1" noChangeShapeType="1" noTextEdit="1"/>
+          </p:cNvSpPr>
+          <p:nvPr>
+            <p:extLst>
+              <p:ext uri="{386F3935-93C4-4BCD-93E2-E3B085C9AB24}">
+                <p16:designElem xmlns:p16="http://schemas.microsoft.com/office/powerpoint/2015/main" val="1"/>
+              </p:ext>
+            </p:extLst>
+          </p:nvPr>
+        </p:nvSpPr>
+        <p:spPr>
+          <a:xfrm>
+            <a:off x="1507" y="0"/>
+            <a:ext cx="12192000" cy="6858000"/>
+          </a:xfrm>
+          <a:prstGeom prst="rect">
+            <a:avLst/>
+          </a:prstGeom>
+          <a:solidFill>
+            <a:schemeClr val="accent1"/>
+          </a:solidFill>
+          <a:ln>
+            <a:noFill/>
+          </a:ln>
+        </p:spPr>
+        <p:style>
+          <a:lnRef idx="2">
+            <a:schemeClr val="accent1">
+              <a:shade val="50000"/>
+            </a:schemeClr>
+          </a:lnRef>
+          <a:fillRef idx="1">
+            <a:schemeClr val="accent1"/>
+          </a:fillRef>
+          <a:effectRef idx="0">
+            <a:schemeClr val="accent1"/>
+          </a:effectRef>
+          <a:fontRef idx="minor">
+            <a:schemeClr val="lt1"/>
+          </a:fontRef>
+        </p:style>
+        <p:txBody>
+          <a:bodyPr rtlCol="0" anchor="ctr"/>
+          <a:lstStyle/>
+          <a:p>
+            <a:pPr algn="ctr"/>
+            <a:endParaRPr lang="en-US"/>
+          </a:p>
+        </p:txBody>
+      </p:sp>
+      <p:sp>
+        <p:nvSpPr>
+          <p:cNvPr id="2" name="Title 1">
+            <a:extLst>
+              <a:ext uri="{FF2B5EF4-FFF2-40B4-BE49-F238E27FC236}">
+                <a16:creationId xmlns:a16="http://schemas.microsoft.com/office/drawing/2014/main" id="{9AB2EA78-AEB3-469B-9025-3B17201A457B}"/>
+              </a:ext>
+            </a:extLst>
+          </p:cNvPr>
+          <p:cNvSpPr>
+            <a:spLocks noGrp="1"/>
+          </p:cNvSpPr>
+          <p:nvPr>
+            <p:ph type="ctrTitle"/>
+          </p:nvPr>
+        </p:nvSpPr>
+        <p:spPr>
+          <a:xfrm>
+            <a:off x="131198" y="55658"/>
+            <a:ext cx="4488510" cy="1371207"/>
+          </a:xfrm>
+        </p:spPr>
+        <p:txBody>
+          <a:bodyPr anchor="ctr">
+            <a:normAutofit/>
+          </a:bodyPr>
+          <a:lstStyle/>
+          <a:p>
+            <a:pPr lvl="0"/>
+            <a:r>
+              <a:rPr lang="en-US" sz="4800" i="1" dirty="0">
+                <a:solidFill>
+                  <a:srgbClr val="FFFFFF"/>
+                </a:solidFill>
+              </a:rPr>
+              <a:t>Report Sample</a:t>
+            </a:r>
+          </a:p>
+        </p:txBody>
+      </p:sp>
+      <p:sp>
+        <p:nvSpPr>
+          <p:cNvPr id="49" name="Rectangle 48">
+            <a:extLst>
+              <a:ext uri="{FF2B5EF4-FFF2-40B4-BE49-F238E27FC236}">
+                <a16:creationId xmlns:a16="http://schemas.microsoft.com/office/drawing/2014/main" id="{4260EDE0-989C-4E16-AF94-F652294D828E}"/>
+              </a:ext>
+              <a:ext uri="{C183D7F6-B498-43B3-948B-1728B52AA6E4}">
+                <adec:decorative xmlns:adec="http://schemas.microsoft.com/office/drawing/2017/decorative" val="1"/>
+              </a:ext>
+            </a:extLst>
+          </p:cNvPr>
+          <p:cNvSpPr>
+            <a:spLocks noGrp="1" noRot="1" noChangeAspect="1" noMove="1" noResize="1" noEditPoints="1" noAdjustHandles="1" noChangeArrowheads="1" noChangeShapeType="1" noTextEdit="1"/>
+          </p:cNvSpPr>
+          <p:nvPr>
+            <p:extLst>
+              <p:ext uri="{386F3935-93C4-4BCD-93E2-E3B085C9AB24}">
+                <p16:designElem xmlns:p16="http://schemas.microsoft.com/office/powerpoint/2015/main" val="1"/>
+              </p:ext>
+            </p:extLst>
+          </p:nvPr>
+        </p:nvSpPr>
+        <p:spPr bwMode="white">
+          <a:xfrm>
+            <a:off x="1507" y="4953000"/>
+            <a:ext cx="12188952" cy="1905000"/>
+          </a:xfrm>
+          <a:prstGeom prst="rect">
+            <a:avLst/>
+          </a:prstGeom>
+          <a:solidFill>
+            <a:srgbClr val="262626"/>
+          </a:solidFill>
+          <a:ln>
+            <a:noFill/>
+          </a:ln>
+        </p:spPr>
+        <p:style>
+          <a:lnRef idx="2">
+            <a:schemeClr val="accent1">
+              <a:shade val="50000"/>
+            </a:schemeClr>
+          </a:lnRef>
+          <a:fillRef idx="1">
+            <a:schemeClr val="accent1"/>
+          </a:fillRef>
+          <a:effectRef idx="0">
+            <a:schemeClr val="accent1"/>
+          </a:effectRef>
+          <a:fontRef idx="minor">
+            <a:schemeClr val="lt1"/>
+          </a:fontRef>
+        </p:style>
+      </p:sp>
+      <p:sp>
+        <p:nvSpPr>
+          <p:cNvPr id="3" name="Subtitle 2">
+            <a:extLst>
+              <a:ext uri="{FF2B5EF4-FFF2-40B4-BE49-F238E27FC236}">
+                <a16:creationId xmlns:a16="http://schemas.microsoft.com/office/drawing/2014/main" id="{255E1F2F-E259-4EA8-9FFD-3A10AF541859}"/>
+              </a:ext>
+            </a:extLst>
+          </p:cNvPr>
+          <p:cNvSpPr>
+            <a:spLocks noGrp="1"/>
+          </p:cNvSpPr>
+          <p:nvPr>
+            <p:ph type="subTitle" idx="1"/>
+          </p:nvPr>
+        </p:nvSpPr>
+        <p:spPr>
+          <a:xfrm>
+            <a:off x="1100051" y="5225240"/>
+            <a:ext cx="10058400" cy="1143000"/>
+          </a:xfrm>
+        </p:spPr>
+        <p:txBody>
+          <a:bodyPr>
+            <a:normAutofit/>
+          </a:bodyPr>
+          <a:lstStyle/>
+          <a:p>
+            <a:r>
+              <a:rPr lang="en-US" dirty="0">
+                <a:solidFill>
+                  <a:srgbClr val="FFFFFF"/>
+                </a:solidFill>
+              </a:rPr>
+              <a:t>Modeling with </a:t>
+            </a:r>
+            <a:r>
+              <a:rPr lang="en-US" dirty="0" err="1">
+                <a:solidFill>
+                  <a:srgbClr val="FFFFFF"/>
+                </a:solidFill>
+              </a:rPr>
+              <a:t>sklearn</a:t>
+            </a:r>
+            <a:r>
+              <a:rPr lang="en-US" dirty="0">
+                <a:solidFill>
+                  <a:srgbClr val="FFFFFF"/>
+                </a:solidFill>
+              </a:rPr>
+              <a:t> to know the discipline in take-off times</a:t>
+            </a:r>
+          </a:p>
+        </p:txBody>
+      </p:sp>
+      <p:pic>
+        <p:nvPicPr>
+          <p:cNvPr id="6" name="Picture 5">
+            <a:extLst>
+              <a:ext uri="{FF2B5EF4-FFF2-40B4-BE49-F238E27FC236}">
+                <a16:creationId xmlns:a16="http://schemas.microsoft.com/office/drawing/2014/main" id="{B0B02E4E-4D76-49CF-8530-D26B97E56F35}"/>
+              </a:ext>
+            </a:extLst>
+          </p:cNvPr>
+          <p:cNvPicPr>
+            <a:picLocks noChangeAspect="1"/>
+          </p:cNvPicPr>
+          <p:nvPr/>
+        </p:nvPicPr>
+        <p:blipFill>
+          <a:blip r:embed="rId2"/>
+          <a:stretch>
+            <a:fillRect/>
+          </a:stretch>
+        </p:blipFill>
+        <p:spPr>
+          <a:xfrm>
+            <a:off x="1013792" y="1236915"/>
+            <a:ext cx="4325509" cy="3303278"/>
+          </a:xfrm>
+          <a:prstGeom prst="rect">
+            <a:avLst/>
+          </a:prstGeom>
+        </p:spPr>
+      </p:pic>
+      <p:pic>
+        <p:nvPicPr>
+          <p:cNvPr id="8" name="Picture 7">
+            <a:extLst>
+              <a:ext uri="{FF2B5EF4-FFF2-40B4-BE49-F238E27FC236}">
+                <a16:creationId xmlns:a16="http://schemas.microsoft.com/office/drawing/2014/main" id="{AA7F7401-C299-4CCC-8E47-3B8ABB1C754B}"/>
+              </a:ext>
+            </a:extLst>
+          </p:cNvPr>
+          <p:cNvPicPr>
+            <a:picLocks noChangeAspect="1"/>
+          </p:cNvPicPr>
+          <p:nvPr/>
+        </p:nvPicPr>
+        <p:blipFill>
+          <a:blip r:embed="rId3"/>
+          <a:stretch>
+            <a:fillRect/>
+          </a:stretch>
+        </p:blipFill>
+        <p:spPr>
+          <a:xfrm>
+            <a:off x="6346205" y="933278"/>
+            <a:ext cx="3115848" cy="3762220"/>
+          </a:xfrm>
+          <a:prstGeom prst="rect">
+            <a:avLst/>
+          </a:prstGeom>
+        </p:spPr>
+      </p:pic>
+    </p:spTree>
+    <p:extLst>
+      <p:ext uri="{BB962C8B-B14F-4D97-AF65-F5344CB8AC3E}">
+        <p14:creationId xmlns:p14="http://schemas.microsoft.com/office/powerpoint/2010/main" val="1907360087"/>
+      </p:ext>
+    </p:extLst>
+  </p:cSld>
+  <p:clrMapOvr>
+    <a:masterClrMapping/>
+  </p:clrMapOvr>
+</p:sld>
+</file>
+
 <file path=ppt/slides/slide2.xml><?xml version="1.0" encoding="utf-8"?>
 <p:sld xmlns:a="http://schemas.openxmlformats.org/drawingml/2006/main" xmlns:r="http://schemas.openxmlformats.org/officeDocument/2006/relationships" xmlns:p="http://schemas.openxmlformats.org/presentationml/2006/main">
   <p:cSld>

--- a/Presentation.pptx
+++ b/Presentation.pptx
@@ -10,12 +10,14 @@
     <p:sldId id="258" r:id="rId4"/>
     <p:sldId id="260" r:id="rId5"/>
     <p:sldId id="261" r:id="rId6"/>
-    <p:sldId id="262" r:id="rId7"/>
-    <p:sldId id="263" r:id="rId8"/>
-    <p:sldId id="264" r:id="rId9"/>
-    <p:sldId id="265" r:id="rId10"/>
-    <p:sldId id="266" r:id="rId11"/>
-    <p:sldId id="267" r:id="rId12"/>
+    <p:sldId id="268" r:id="rId7"/>
+    <p:sldId id="269" r:id="rId8"/>
+    <p:sldId id="262" r:id="rId9"/>
+    <p:sldId id="263" r:id="rId10"/>
+    <p:sldId id="264" r:id="rId11"/>
+    <p:sldId id="265" r:id="rId12"/>
+    <p:sldId id="266" r:id="rId13"/>
+    <p:sldId id="267" r:id="rId14"/>
   </p:sldIdLst>
   <p:sldSz cx="12192000" cy="6858000"/>
   <p:notesSz cx="6858000" cy="9144000"/>
@@ -4530,6 +4532,536 @@
                   <a:srgbClr val="FFFFFF"/>
                 </a:solidFill>
               </a:rPr>
+              <a:t>difference between the scheduled access time and the actual time</a:t>
+            </a:r>
+          </a:p>
+        </p:txBody>
+      </p:sp>
+      <p:pic>
+        <p:nvPicPr>
+          <p:cNvPr id="5" name="Picture 4">
+            <a:extLst>
+              <a:ext uri="{FF2B5EF4-FFF2-40B4-BE49-F238E27FC236}">
+                <a16:creationId xmlns:a16="http://schemas.microsoft.com/office/drawing/2014/main" id="{2D0D0463-BE10-4169-93F6-DB9A931528F2}"/>
+              </a:ext>
+            </a:extLst>
+          </p:cNvPr>
+          <p:cNvPicPr>
+            <a:picLocks noChangeAspect="1"/>
+          </p:cNvPicPr>
+          <p:nvPr/>
+        </p:nvPicPr>
+        <p:blipFill>
+          <a:blip r:embed="rId2"/>
+          <a:stretch>
+            <a:fillRect/>
+          </a:stretch>
+        </p:blipFill>
+        <p:spPr>
+          <a:xfrm>
+            <a:off x="2536732" y="1236047"/>
+            <a:ext cx="7034601" cy="3393161"/>
+          </a:xfrm>
+          <a:prstGeom prst="rect">
+            <a:avLst/>
+          </a:prstGeom>
+        </p:spPr>
+      </p:pic>
+    </p:spTree>
+    <p:extLst>
+      <p:ext uri="{BB962C8B-B14F-4D97-AF65-F5344CB8AC3E}">
+        <p14:creationId xmlns:p14="http://schemas.microsoft.com/office/powerpoint/2010/main" val="1556001010"/>
+      </p:ext>
+    </p:extLst>
+  </p:cSld>
+  <p:clrMapOvr>
+    <a:masterClrMapping/>
+  </p:clrMapOvr>
+</p:sld>
+</file>
+
+<file path=ppt/slides/slide11.xml><?xml version="1.0" encoding="utf-8"?>
+<p:sld xmlns:a="http://schemas.openxmlformats.org/drawingml/2006/main" xmlns:r="http://schemas.openxmlformats.org/officeDocument/2006/relationships" xmlns:p="http://schemas.openxmlformats.org/presentationml/2006/main">
+  <p:cSld>
+    <p:bg>
+      <p:bgPr>
+        <a:solidFill>
+          <a:schemeClr val="bg1"/>
+        </a:solidFill>
+        <a:effectLst/>
+      </p:bgPr>
+    </p:bg>
+    <p:spTree>
+      <p:nvGrpSpPr>
+        <p:cNvPr id="1" name=""/>
+        <p:cNvGrpSpPr/>
+        <p:nvPr/>
+      </p:nvGrpSpPr>
+      <p:grpSpPr>
+        <a:xfrm>
+          <a:off x="0" y="0"/>
+          <a:ext cx="0" cy="0"/>
+          <a:chOff x="0" y="0"/>
+          <a:chExt cx="0" cy="0"/>
+        </a:xfrm>
+      </p:grpSpPr>
+      <p:sp>
+        <p:nvSpPr>
+          <p:cNvPr id="47" name="Rectangle 46">
+            <a:extLst>
+              <a:ext uri="{FF2B5EF4-FFF2-40B4-BE49-F238E27FC236}">
+                <a16:creationId xmlns:a16="http://schemas.microsoft.com/office/drawing/2014/main" id="{FBDCECDC-EEE3-4128-AA5E-82A8C08796E8}"/>
+              </a:ext>
+              <a:ext uri="{C183D7F6-B498-43B3-948B-1728B52AA6E4}">
+                <adec:decorative xmlns:adec="http://schemas.microsoft.com/office/drawing/2017/decorative" val="1"/>
+              </a:ext>
+            </a:extLst>
+          </p:cNvPr>
+          <p:cNvSpPr>
+            <a:spLocks noGrp="1" noRot="1" noChangeAspect="1" noMove="1" noResize="1" noEditPoints="1" noAdjustHandles="1" noChangeArrowheads="1" noChangeShapeType="1" noTextEdit="1"/>
+          </p:cNvSpPr>
+          <p:nvPr>
+            <p:extLst>
+              <p:ext uri="{386F3935-93C4-4BCD-93E2-E3B085C9AB24}">
+                <p16:designElem xmlns:p16="http://schemas.microsoft.com/office/powerpoint/2015/main" val="1"/>
+              </p:ext>
+            </p:extLst>
+          </p:nvPr>
+        </p:nvSpPr>
+        <p:spPr>
+          <a:xfrm>
+            <a:off x="1507" y="0"/>
+            <a:ext cx="12192000" cy="6858000"/>
+          </a:xfrm>
+          <a:prstGeom prst="rect">
+            <a:avLst/>
+          </a:prstGeom>
+          <a:solidFill>
+            <a:schemeClr val="accent1"/>
+          </a:solidFill>
+          <a:ln>
+            <a:noFill/>
+          </a:ln>
+        </p:spPr>
+        <p:style>
+          <a:lnRef idx="2">
+            <a:schemeClr val="accent1">
+              <a:shade val="50000"/>
+            </a:schemeClr>
+          </a:lnRef>
+          <a:fillRef idx="1">
+            <a:schemeClr val="accent1"/>
+          </a:fillRef>
+          <a:effectRef idx="0">
+            <a:schemeClr val="accent1"/>
+          </a:effectRef>
+          <a:fontRef idx="minor">
+            <a:schemeClr val="lt1"/>
+          </a:fontRef>
+        </p:style>
+        <p:txBody>
+          <a:bodyPr rtlCol="0" anchor="ctr"/>
+          <a:lstStyle/>
+          <a:p>
+            <a:pPr algn="ctr"/>
+            <a:endParaRPr lang="en-US"/>
+          </a:p>
+        </p:txBody>
+      </p:sp>
+      <p:sp>
+        <p:nvSpPr>
+          <p:cNvPr id="2" name="Title 1">
+            <a:extLst>
+              <a:ext uri="{FF2B5EF4-FFF2-40B4-BE49-F238E27FC236}">
+                <a16:creationId xmlns:a16="http://schemas.microsoft.com/office/drawing/2014/main" id="{9AB2EA78-AEB3-469B-9025-3B17201A457B}"/>
+              </a:ext>
+            </a:extLst>
+          </p:cNvPr>
+          <p:cNvSpPr>
+            <a:spLocks noGrp="1"/>
+          </p:cNvSpPr>
+          <p:nvPr>
+            <p:ph type="ctrTitle"/>
+          </p:nvPr>
+        </p:nvSpPr>
+        <p:spPr>
+          <a:xfrm>
+            <a:off x="131198" y="55658"/>
+            <a:ext cx="4488510" cy="1371207"/>
+          </a:xfrm>
+        </p:spPr>
+        <p:txBody>
+          <a:bodyPr anchor="ctr">
+            <a:normAutofit/>
+          </a:bodyPr>
+          <a:lstStyle/>
+          <a:p>
+            <a:pPr lvl="0"/>
+            <a:r>
+              <a:rPr lang="en-US" sz="4800" i="1" dirty="0">
+                <a:solidFill>
+                  <a:srgbClr val="FFFFFF"/>
+                </a:solidFill>
+              </a:rPr>
+              <a:t>Report Sample</a:t>
+            </a:r>
+          </a:p>
+        </p:txBody>
+      </p:sp>
+      <p:sp>
+        <p:nvSpPr>
+          <p:cNvPr id="49" name="Rectangle 48">
+            <a:extLst>
+              <a:ext uri="{FF2B5EF4-FFF2-40B4-BE49-F238E27FC236}">
+                <a16:creationId xmlns:a16="http://schemas.microsoft.com/office/drawing/2014/main" id="{4260EDE0-989C-4E16-AF94-F652294D828E}"/>
+              </a:ext>
+              <a:ext uri="{C183D7F6-B498-43B3-948B-1728B52AA6E4}">
+                <adec:decorative xmlns:adec="http://schemas.microsoft.com/office/drawing/2017/decorative" val="1"/>
+              </a:ext>
+            </a:extLst>
+          </p:cNvPr>
+          <p:cNvSpPr>
+            <a:spLocks noGrp="1" noRot="1" noChangeAspect="1" noMove="1" noResize="1" noEditPoints="1" noAdjustHandles="1" noChangeArrowheads="1" noChangeShapeType="1" noTextEdit="1"/>
+          </p:cNvSpPr>
+          <p:nvPr>
+            <p:extLst>
+              <p:ext uri="{386F3935-93C4-4BCD-93E2-E3B085C9AB24}">
+                <p16:designElem xmlns:p16="http://schemas.microsoft.com/office/powerpoint/2015/main" val="1"/>
+              </p:ext>
+            </p:extLst>
+          </p:nvPr>
+        </p:nvSpPr>
+        <p:spPr bwMode="white">
+          <a:xfrm>
+            <a:off x="1507" y="4953000"/>
+            <a:ext cx="12188952" cy="1905000"/>
+          </a:xfrm>
+          <a:prstGeom prst="rect">
+            <a:avLst/>
+          </a:prstGeom>
+          <a:solidFill>
+            <a:srgbClr val="262626"/>
+          </a:solidFill>
+          <a:ln>
+            <a:noFill/>
+          </a:ln>
+        </p:spPr>
+        <p:style>
+          <a:lnRef idx="2">
+            <a:schemeClr val="accent1">
+              <a:shade val="50000"/>
+            </a:schemeClr>
+          </a:lnRef>
+          <a:fillRef idx="1">
+            <a:schemeClr val="accent1"/>
+          </a:fillRef>
+          <a:effectRef idx="0">
+            <a:schemeClr val="accent1"/>
+          </a:effectRef>
+          <a:fontRef idx="minor">
+            <a:schemeClr val="lt1"/>
+          </a:fontRef>
+        </p:style>
+      </p:sp>
+      <p:sp>
+        <p:nvSpPr>
+          <p:cNvPr id="3" name="Subtitle 2">
+            <a:extLst>
+              <a:ext uri="{FF2B5EF4-FFF2-40B4-BE49-F238E27FC236}">
+                <a16:creationId xmlns:a16="http://schemas.microsoft.com/office/drawing/2014/main" id="{255E1F2F-E259-4EA8-9FFD-3A10AF541859}"/>
+              </a:ext>
+            </a:extLst>
+          </p:cNvPr>
+          <p:cNvSpPr>
+            <a:spLocks noGrp="1"/>
+          </p:cNvSpPr>
+          <p:nvPr>
+            <p:ph type="subTitle" idx="1"/>
+          </p:nvPr>
+        </p:nvSpPr>
+        <p:spPr>
+          <a:xfrm>
+            <a:off x="1100051" y="5225240"/>
+            <a:ext cx="10058400" cy="1143000"/>
+          </a:xfrm>
+        </p:spPr>
+        <p:txBody>
+          <a:bodyPr>
+            <a:normAutofit/>
+          </a:bodyPr>
+          <a:lstStyle/>
+          <a:p>
+            <a:r>
+              <a:rPr lang="en-US" dirty="0">
+                <a:solidFill>
+                  <a:srgbClr val="FFFFFF"/>
+                </a:solidFill>
+              </a:rPr>
+              <a:t>the relationship between flight delays due to civil aviation and the distance between airports</a:t>
+            </a:r>
+          </a:p>
+        </p:txBody>
+      </p:sp>
+      <p:pic>
+        <p:nvPicPr>
+          <p:cNvPr id="6" name="Picture 5">
+            <a:extLst>
+              <a:ext uri="{FF2B5EF4-FFF2-40B4-BE49-F238E27FC236}">
+                <a16:creationId xmlns:a16="http://schemas.microsoft.com/office/drawing/2014/main" id="{23097902-DB51-40CD-A3B7-57ABAD3A694D}"/>
+              </a:ext>
+            </a:extLst>
+          </p:cNvPr>
+          <p:cNvPicPr>
+            <a:picLocks noChangeAspect="1"/>
+          </p:cNvPicPr>
+          <p:nvPr/>
+        </p:nvPicPr>
+        <p:blipFill>
+          <a:blip r:embed="rId2"/>
+          <a:stretch>
+            <a:fillRect/>
+          </a:stretch>
+        </p:blipFill>
+        <p:spPr>
+          <a:xfrm>
+            <a:off x="3831495" y="1311990"/>
+            <a:ext cx="3606111" cy="3455295"/>
+          </a:xfrm>
+          <a:prstGeom prst="rect">
+            <a:avLst/>
+          </a:prstGeom>
+        </p:spPr>
+      </p:pic>
+    </p:spTree>
+    <p:extLst>
+      <p:ext uri="{BB962C8B-B14F-4D97-AF65-F5344CB8AC3E}">
+        <p14:creationId xmlns:p14="http://schemas.microsoft.com/office/powerpoint/2010/main" val="1958905417"/>
+      </p:ext>
+    </p:extLst>
+  </p:cSld>
+  <p:clrMapOvr>
+    <a:masterClrMapping/>
+  </p:clrMapOvr>
+</p:sld>
+</file>
+
+<file path=ppt/slides/slide12.xml><?xml version="1.0" encoding="utf-8"?>
+<p:sld xmlns:a="http://schemas.openxmlformats.org/drawingml/2006/main" xmlns:r="http://schemas.openxmlformats.org/officeDocument/2006/relationships" xmlns:p="http://schemas.openxmlformats.org/presentationml/2006/main">
+  <p:cSld>
+    <p:bg>
+      <p:bgPr>
+        <a:solidFill>
+          <a:schemeClr val="bg1"/>
+        </a:solidFill>
+        <a:effectLst/>
+      </p:bgPr>
+    </p:bg>
+    <p:spTree>
+      <p:nvGrpSpPr>
+        <p:cNvPr id="1" name=""/>
+        <p:cNvGrpSpPr/>
+        <p:nvPr/>
+      </p:nvGrpSpPr>
+      <p:grpSpPr>
+        <a:xfrm>
+          <a:off x="0" y="0"/>
+          <a:ext cx="0" cy="0"/>
+          <a:chOff x="0" y="0"/>
+          <a:chExt cx="0" cy="0"/>
+        </a:xfrm>
+      </p:grpSpPr>
+      <p:sp>
+        <p:nvSpPr>
+          <p:cNvPr id="47" name="Rectangle 46">
+            <a:extLst>
+              <a:ext uri="{FF2B5EF4-FFF2-40B4-BE49-F238E27FC236}">
+                <a16:creationId xmlns:a16="http://schemas.microsoft.com/office/drawing/2014/main" id="{FBDCECDC-EEE3-4128-AA5E-82A8C08796E8}"/>
+              </a:ext>
+              <a:ext uri="{C183D7F6-B498-43B3-948B-1728B52AA6E4}">
+                <adec:decorative xmlns:adec="http://schemas.microsoft.com/office/drawing/2017/decorative" val="1"/>
+              </a:ext>
+            </a:extLst>
+          </p:cNvPr>
+          <p:cNvSpPr>
+            <a:spLocks noGrp="1" noRot="1" noChangeAspect="1" noMove="1" noResize="1" noEditPoints="1" noAdjustHandles="1" noChangeArrowheads="1" noChangeShapeType="1" noTextEdit="1"/>
+          </p:cNvSpPr>
+          <p:nvPr>
+            <p:extLst>
+              <p:ext uri="{386F3935-93C4-4BCD-93E2-E3B085C9AB24}">
+                <p16:designElem xmlns:p16="http://schemas.microsoft.com/office/powerpoint/2015/main" val="1"/>
+              </p:ext>
+            </p:extLst>
+          </p:nvPr>
+        </p:nvSpPr>
+        <p:spPr>
+          <a:xfrm>
+            <a:off x="1507" y="0"/>
+            <a:ext cx="12192000" cy="6858000"/>
+          </a:xfrm>
+          <a:prstGeom prst="rect">
+            <a:avLst/>
+          </a:prstGeom>
+          <a:solidFill>
+            <a:schemeClr val="accent1"/>
+          </a:solidFill>
+          <a:ln>
+            <a:noFill/>
+          </a:ln>
+        </p:spPr>
+        <p:style>
+          <a:lnRef idx="2">
+            <a:schemeClr val="accent1">
+              <a:shade val="50000"/>
+            </a:schemeClr>
+          </a:lnRef>
+          <a:fillRef idx="1">
+            <a:schemeClr val="accent1"/>
+          </a:fillRef>
+          <a:effectRef idx="0">
+            <a:schemeClr val="accent1"/>
+          </a:effectRef>
+          <a:fontRef idx="minor">
+            <a:schemeClr val="lt1"/>
+          </a:fontRef>
+        </p:style>
+        <p:txBody>
+          <a:bodyPr rtlCol="0" anchor="ctr"/>
+          <a:lstStyle/>
+          <a:p>
+            <a:pPr algn="ctr"/>
+            <a:endParaRPr lang="en-US"/>
+          </a:p>
+        </p:txBody>
+      </p:sp>
+      <p:sp>
+        <p:nvSpPr>
+          <p:cNvPr id="2" name="Title 1">
+            <a:extLst>
+              <a:ext uri="{FF2B5EF4-FFF2-40B4-BE49-F238E27FC236}">
+                <a16:creationId xmlns:a16="http://schemas.microsoft.com/office/drawing/2014/main" id="{9AB2EA78-AEB3-469B-9025-3B17201A457B}"/>
+              </a:ext>
+            </a:extLst>
+          </p:cNvPr>
+          <p:cNvSpPr>
+            <a:spLocks noGrp="1"/>
+          </p:cNvSpPr>
+          <p:nvPr>
+            <p:ph type="ctrTitle"/>
+          </p:nvPr>
+        </p:nvSpPr>
+        <p:spPr>
+          <a:xfrm>
+            <a:off x="131198" y="55658"/>
+            <a:ext cx="4488510" cy="1371207"/>
+          </a:xfrm>
+        </p:spPr>
+        <p:txBody>
+          <a:bodyPr anchor="ctr">
+            <a:normAutofit/>
+          </a:bodyPr>
+          <a:lstStyle/>
+          <a:p>
+            <a:pPr lvl="0"/>
+            <a:r>
+              <a:rPr lang="en-US" sz="4800" i="1" dirty="0">
+                <a:solidFill>
+                  <a:srgbClr val="FFFFFF"/>
+                </a:solidFill>
+              </a:rPr>
+              <a:t>Report Sample</a:t>
+            </a:r>
+          </a:p>
+        </p:txBody>
+      </p:sp>
+      <p:sp>
+        <p:nvSpPr>
+          <p:cNvPr id="49" name="Rectangle 48">
+            <a:extLst>
+              <a:ext uri="{FF2B5EF4-FFF2-40B4-BE49-F238E27FC236}">
+                <a16:creationId xmlns:a16="http://schemas.microsoft.com/office/drawing/2014/main" id="{4260EDE0-989C-4E16-AF94-F652294D828E}"/>
+              </a:ext>
+              <a:ext uri="{C183D7F6-B498-43B3-948B-1728B52AA6E4}">
+                <adec:decorative xmlns:adec="http://schemas.microsoft.com/office/drawing/2017/decorative" val="1"/>
+              </a:ext>
+            </a:extLst>
+          </p:cNvPr>
+          <p:cNvSpPr>
+            <a:spLocks noGrp="1" noRot="1" noChangeAspect="1" noMove="1" noResize="1" noEditPoints="1" noAdjustHandles="1" noChangeArrowheads="1" noChangeShapeType="1" noTextEdit="1"/>
+          </p:cNvSpPr>
+          <p:nvPr>
+            <p:extLst>
+              <p:ext uri="{386F3935-93C4-4BCD-93E2-E3B085C9AB24}">
+                <p16:designElem xmlns:p16="http://schemas.microsoft.com/office/powerpoint/2015/main" val="1"/>
+              </p:ext>
+            </p:extLst>
+          </p:nvPr>
+        </p:nvSpPr>
+        <p:spPr bwMode="white">
+          <a:xfrm>
+            <a:off x="1507" y="4953000"/>
+            <a:ext cx="12188952" cy="1905000"/>
+          </a:xfrm>
+          <a:prstGeom prst="rect">
+            <a:avLst/>
+          </a:prstGeom>
+          <a:solidFill>
+            <a:srgbClr val="262626"/>
+          </a:solidFill>
+          <a:ln>
+            <a:noFill/>
+          </a:ln>
+        </p:spPr>
+        <p:style>
+          <a:lnRef idx="2">
+            <a:schemeClr val="accent1">
+              <a:shade val="50000"/>
+            </a:schemeClr>
+          </a:lnRef>
+          <a:fillRef idx="1">
+            <a:schemeClr val="accent1"/>
+          </a:fillRef>
+          <a:effectRef idx="0">
+            <a:schemeClr val="accent1"/>
+          </a:effectRef>
+          <a:fontRef idx="minor">
+            <a:schemeClr val="lt1"/>
+          </a:fontRef>
+        </p:style>
+      </p:sp>
+      <p:sp>
+        <p:nvSpPr>
+          <p:cNvPr id="3" name="Subtitle 2">
+            <a:extLst>
+              <a:ext uri="{FF2B5EF4-FFF2-40B4-BE49-F238E27FC236}">
+                <a16:creationId xmlns:a16="http://schemas.microsoft.com/office/drawing/2014/main" id="{255E1F2F-E259-4EA8-9FFD-3A10AF541859}"/>
+              </a:ext>
+            </a:extLst>
+          </p:cNvPr>
+          <p:cNvSpPr>
+            <a:spLocks noGrp="1"/>
+          </p:cNvSpPr>
+          <p:nvPr>
+            <p:ph type="subTitle" idx="1"/>
+          </p:nvPr>
+        </p:nvSpPr>
+        <p:spPr>
+          <a:xfrm>
+            <a:off x="1100051" y="5225240"/>
+            <a:ext cx="10058400" cy="1143000"/>
+          </a:xfrm>
+        </p:spPr>
+        <p:txBody>
+          <a:bodyPr>
+            <a:normAutofit/>
+          </a:bodyPr>
+          <a:lstStyle/>
+          <a:p>
+            <a:r>
+              <a:rPr lang="en-US" dirty="0">
+                <a:solidFill>
+                  <a:srgbClr val="FFFFFF"/>
+                </a:solidFill>
+              </a:rPr>
               <a:t>the </a:t>
             </a:r>
             <a:r>
@@ -4594,7 +5126,7 @@
 </p:sld>
 </file>
 
-<file path=ppt/slides/slide11.xml><?xml version="1.0" encoding="utf-8"?>
+<file path=ppt/slides/slide13.xml><?xml version="1.0" encoding="utf-8"?>
 <p:sld xmlns:a="http://schemas.openxmlformats.org/drawingml/2006/main" xmlns:r="http://schemas.openxmlformats.org/officeDocument/2006/relationships" xmlns:p="http://schemas.openxmlformats.org/presentationml/2006/main">
   <p:cSld>
     <p:bg>
@@ -6131,8 +6663,8 @@
         </p:nvSpPr>
         <p:spPr>
           <a:xfrm>
-            <a:off x="131198" y="55658"/>
-            <a:ext cx="4488510" cy="1371207"/>
+            <a:off x="1097280" y="758952"/>
+            <a:ext cx="10058400" cy="3892168"/>
           </a:xfrm>
         </p:spPr>
         <p:txBody>
@@ -6148,8 +6680,103 @@
                   <a:srgbClr val="FFFFFF"/>
                 </a:solidFill>
               </a:rPr>
-              <a:t>Report Sample</a:t>
-            </a:r>
+              <a:t>Project Plan:</a:t>
+            </a:r>
+            <a:br>
+              <a:rPr lang="en-US" sz="4800" i="1" dirty="0">
+                <a:solidFill>
+                  <a:srgbClr val="FFFFFF"/>
+                </a:solidFill>
+              </a:rPr>
+            </a:br>
+            <a:r>
+              <a:rPr lang="en-US" sz="4800" i="1" dirty="0">
+                <a:solidFill>
+                  <a:srgbClr val="FFFFFF"/>
+                </a:solidFill>
+              </a:rPr>
+              <a:t>	</a:t>
+            </a:r>
+            <a:r>
+              <a:rPr lang="en-US" sz="3200" i="1" dirty="0">
+                <a:solidFill>
+                  <a:srgbClr val="FFFFFF"/>
+                </a:solidFill>
+              </a:rPr>
+              <a:t>analyzing the requirement</a:t>
+            </a:r>
+            <a:br>
+              <a:rPr lang="en-US" sz="3200" i="1" dirty="0">
+                <a:solidFill>
+                  <a:srgbClr val="FFFFFF"/>
+                </a:solidFill>
+              </a:rPr>
+            </a:br>
+            <a:r>
+              <a:rPr lang="en-US" sz="3200" i="1" dirty="0">
+                <a:solidFill>
+                  <a:srgbClr val="FFFFFF"/>
+                </a:solidFill>
+              </a:rPr>
+              <a:t>	gathering the data </a:t>
+            </a:r>
+            <a:br>
+              <a:rPr lang="en-US" sz="3200" i="1" dirty="0">
+                <a:solidFill>
+                  <a:srgbClr val="FFFFFF"/>
+                </a:solidFill>
+              </a:rPr>
+            </a:br>
+            <a:r>
+              <a:rPr lang="en-US" sz="3200" i="1" dirty="0">
+                <a:solidFill>
+                  <a:srgbClr val="FFFFFF"/>
+                </a:solidFill>
+              </a:rPr>
+              <a:t>	understand and reading the data</a:t>
+            </a:r>
+            <a:br>
+              <a:rPr lang="en-US" sz="3200" i="1" dirty="0">
+                <a:solidFill>
+                  <a:srgbClr val="FFFFFF"/>
+                </a:solidFill>
+              </a:rPr>
+            </a:br>
+            <a:r>
+              <a:rPr lang="en-US" sz="3200" i="1" dirty="0">
+                <a:solidFill>
+                  <a:srgbClr val="FFFFFF"/>
+                </a:solidFill>
+              </a:rPr>
+              <a:t>	cleaning the data</a:t>
+            </a:r>
+            <a:br>
+              <a:rPr lang="en-US" sz="3200" i="1" dirty="0">
+                <a:solidFill>
+                  <a:srgbClr val="FFFFFF"/>
+                </a:solidFill>
+              </a:rPr>
+            </a:br>
+            <a:r>
+              <a:rPr lang="en-US" sz="3200" i="1" dirty="0">
+                <a:solidFill>
+                  <a:srgbClr val="FFFFFF"/>
+                </a:solidFill>
+              </a:rPr>
+              <a:t>	generate the reports </a:t>
+            </a:r>
+            <a:br>
+              <a:rPr lang="en-US" sz="2400" i="1" dirty="0">
+                <a:solidFill>
+                  <a:srgbClr val="FFFFFF"/>
+                </a:solidFill>
+              </a:rPr>
+            </a:br>
+            <a:endParaRPr lang="en-US" sz="4800" i="1" dirty="0">
+              <a:solidFill>
+                <a:srgbClr val="FFFFFF"/>
+              </a:solidFill>
+            </a:endParaRPr>
           </a:p>
         </p:txBody>
       </p:sp>
@@ -6236,51 +6863,18 @@
           </a:bodyPr>
           <a:lstStyle/>
           <a:p>
-            <a:r>
-              <a:rPr lang="en-US" dirty="0">
-                <a:solidFill>
-                  <a:srgbClr val="FFFFFF"/>
-                </a:solidFill>
-              </a:rPr>
-              <a:t>the delay departure time for each city, the minus number means early departure</a:t>
-            </a:r>
-          </a:p>
-        </p:txBody>
-      </p:sp>
-      <p:pic>
-        <p:nvPicPr>
-          <p:cNvPr id="5" name="Picture 4">
-            <a:extLst>
-              <a:ext uri="{FF2B5EF4-FFF2-40B4-BE49-F238E27FC236}">
-                <a16:creationId xmlns:a16="http://schemas.microsoft.com/office/drawing/2014/main" id="{A5D684C6-03D1-4DD5-8F4D-A45E37E38151}"/>
-              </a:ext>
-            </a:extLst>
-          </p:cNvPr>
-          <p:cNvPicPr>
-            <a:picLocks noChangeAspect="1"/>
-          </p:cNvPicPr>
-          <p:nvPr/>
-        </p:nvPicPr>
-        <p:blipFill>
-          <a:blip r:embed="rId2"/>
-          <a:stretch>
-            <a:fillRect/>
-          </a:stretch>
-        </p:blipFill>
-        <p:spPr>
-          <a:xfrm>
-            <a:off x="662442" y="1340495"/>
-            <a:ext cx="10867116" cy="3439026"/>
-          </a:xfrm>
-          <a:prstGeom prst="rect">
-            <a:avLst/>
-          </a:prstGeom>
-        </p:spPr>
-      </p:pic>
+            <a:endParaRPr lang="en-US" dirty="0">
+              <a:solidFill>
+                <a:srgbClr val="FFFFFF"/>
+              </a:solidFill>
+            </a:endParaRPr>
+          </a:p>
+        </p:txBody>
+      </p:sp>
     </p:spTree>
     <p:extLst>
       <p:ext uri="{BB962C8B-B14F-4D97-AF65-F5344CB8AC3E}">
-        <p14:creationId xmlns:p14="http://schemas.microsoft.com/office/powerpoint/2010/main" val="1800586660"/>
+        <p14:creationId xmlns:p14="http://schemas.microsoft.com/office/powerpoint/2010/main" val="1227730441"/>
       </p:ext>
     </p:extLst>
   </p:cSld>
@@ -6396,13 +6990,13 @@
         </p:nvSpPr>
         <p:spPr>
           <a:xfrm>
-            <a:off x="131198" y="55658"/>
-            <a:ext cx="4488510" cy="1371207"/>
+            <a:off x="1097280" y="758952"/>
+            <a:ext cx="10058400" cy="3892168"/>
           </a:xfrm>
         </p:spPr>
         <p:txBody>
           <a:bodyPr anchor="ctr">
-            <a:normAutofit/>
+            <a:normAutofit fontScale="90000"/>
           </a:bodyPr>
           <a:lstStyle/>
           <a:p>
@@ -6413,8 +7007,181 @@
                   <a:srgbClr val="FFFFFF"/>
                 </a:solidFill>
               </a:rPr>
-              <a:t>Report Sample</a:t>
-            </a:r>
+              <a:t>Used tools :</a:t>
+            </a:r>
+            <a:br>
+              <a:rPr lang="en-US" sz="4800" i="1" dirty="0">
+                <a:solidFill>
+                  <a:srgbClr val="FFFFFF"/>
+                </a:solidFill>
+              </a:rPr>
+            </a:br>
+            <a:r>
+              <a:rPr lang="en-US" sz="4800" i="1" dirty="0">
+                <a:solidFill>
+                  <a:srgbClr val="FFFFFF"/>
+                </a:solidFill>
+              </a:rPr>
+              <a:t>	</a:t>
+            </a:r>
+            <a:r>
+              <a:rPr lang="en-US" sz="2800" i="1" dirty="0">
+                <a:solidFill>
+                  <a:srgbClr val="FFFFFF"/>
+                </a:solidFill>
+              </a:rPr>
+              <a:t>Python as a programming language </a:t>
+            </a:r>
+            <a:br>
+              <a:rPr lang="en-US" sz="2800" i="1" dirty="0">
+                <a:solidFill>
+                  <a:srgbClr val="FFFFFF"/>
+                </a:solidFill>
+              </a:rPr>
+            </a:br>
+            <a:r>
+              <a:rPr lang="en-US" sz="2800" i="1" dirty="0">
+                <a:solidFill>
+                  <a:srgbClr val="FFFFFF"/>
+                </a:solidFill>
+              </a:rPr>
+              <a:t>	pandas and </a:t>
+            </a:r>
+            <a:r>
+              <a:rPr lang="en-US" sz="2800" i="1" dirty="0" err="1">
+                <a:solidFill>
+                  <a:srgbClr val="FFFFFF"/>
+                </a:solidFill>
+              </a:rPr>
+              <a:t>numpy</a:t>
+            </a:r>
+            <a:r>
+              <a:rPr lang="en-US" sz="2800" i="1" dirty="0">
+                <a:solidFill>
+                  <a:srgbClr val="FFFFFF"/>
+                </a:solidFill>
+              </a:rPr>
+              <a:t> as a data frame </a:t>
+            </a:r>
+            <a:r>
+              <a:rPr lang="en-US" sz="2800" i="1" dirty="0" err="1">
+                <a:solidFill>
+                  <a:srgbClr val="FFFFFF"/>
+                </a:solidFill>
+              </a:rPr>
+              <a:t>librares</a:t>
+            </a:r>
+            <a:r>
+              <a:rPr lang="en-US" sz="2800" i="1" dirty="0">
+                <a:solidFill>
+                  <a:srgbClr val="FFFFFF"/>
+                </a:solidFill>
+              </a:rPr>
+              <a:t> </a:t>
+            </a:r>
+            <a:br>
+              <a:rPr lang="en-US" sz="2800" i="1" dirty="0">
+                <a:solidFill>
+                  <a:srgbClr val="FFFFFF"/>
+                </a:solidFill>
+              </a:rPr>
+            </a:br>
+            <a:r>
+              <a:rPr lang="en-US" sz="2800" i="1" dirty="0">
+                <a:solidFill>
+                  <a:srgbClr val="FFFFFF"/>
+                </a:solidFill>
+              </a:rPr>
+              <a:t>	seaborn as a Python data visualization library based on 		matplotlib</a:t>
+            </a:r>
+            <a:br>
+              <a:rPr lang="en-US" sz="2800" i="1" dirty="0">
+                <a:solidFill>
+                  <a:srgbClr val="FFFFFF"/>
+                </a:solidFill>
+              </a:rPr>
+            </a:br>
+            <a:r>
+              <a:rPr lang="en-US" sz="2800" i="1" dirty="0">
+                <a:solidFill>
+                  <a:srgbClr val="FFFFFF"/>
+                </a:solidFill>
+              </a:rPr>
+              <a:t>	Matplotlib as a comprehensive library for creating static, 	animated, and interactive visualizations in Python.</a:t>
+            </a:r>
+            <a:br>
+              <a:rPr lang="en-US" sz="2800" i="1" dirty="0">
+                <a:solidFill>
+                  <a:srgbClr val="FFFFFF"/>
+                </a:solidFill>
+              </a:rPr>
+            </a:br>
+            <a:r>
+              <a:rPr lang="en-US" sz="2800" i="1" dirty="0">
+                <a:solidFill>
+                  <a:srgbClr val="FFFFFF"/>
+                </a:solidFill>
+              </a:rPr>
+              <a:t>	scikit-learn : tools for predictive data analysis</a:t>
+            </a:r>
+            <a:br>
+              <a:rPr lang="en-US" sz="2800" i="1" dirty="0">
+                <a:solidFill>
+                  <a:srgbClr val="FFFFFF"/>
+                </a:solidFill>
+              </a:rPr>
+            </a:br>
+            <a:r>
+              <a:rPr lang="en-US" sz="2800" i="1" dirty="0">
+                <a:solidFill>
+                  <a:srgbClr val="FFFFFF"/>
+                </a:solidFill>
+              </a:rPr>
+              <a:t>	</a:t>
+            </a:r>
+            <a:r>
+              <a:rPr lang="en-US" sz="2800" i="1" dirty="0" err="1">
+                <a:solidFill>
+                  <a:srgbClr val="FFFFFF"/>
+                </a:solidFill>
+              </a:rPr>
+              <a:t>Jupyter</a:t>
+            </a:r>
+            <a:r>
+              <a:rPr lang="en-US" sz="2800" i="1" dirty="0">
+                <a:solidFill>
+                  <a:srgbClr val="FFFFFF"/>
+                </a:solidFill>
+              </a:rPr>
+              <a:t> as a text editor </a:t>
+            </a:r>
+            <a:br>
+              <a:rPr lang="en-US" sz="2800" i="1" dirty="0">
+                <a:solidFill>
+                  <a:srgbClr val="FFFFFF"/>
+                </a:solidFill>
+              </a:rPr>
+            </a:br>
+            <a:r>
+              <a:rPr lang="en-US" sz="2800" i="1" dirty="0">
+                <a:solidFill>
+                  <a:srgbClr val="FFFFFF"/>
+                </a:solidFill>
+              </a:rPr>
+              <a:t>	</a:t>
+            </a:r>
+            <a:br>
+              <a:rPr lang="en-US" sz="2000" i="1" dirty="0">
+                <a:solidFill>
+                  <a:srgbClr val="FFFFFF"/>
+                </a:solidFill>
+              </a:rPr>
+            </a:br>
+            <a:endParaRPr lang="en-US" sz="4800" i="1" dirty="0">
+              <a:solidFill>
+                <a:srgbClr val="FFFFFF"/>
+              </a:solidFill>
+            </a:endParaRPr>
           </a:p>
         </p:txBody>
       </p:sp>
@@ -6501,51 +7268,18 @@
           </a:bodyPr>
           <a:lstStyle/>
           <a:p>
-            <a:r>
-              <a:rPr lang="en-US" dirty="0">
-                <a:solidFill>
-                  <a:srgbClr val="FFFFFF"/>
-                </a:solidFill>
-              </a:rPr>
-              <a:t>the number of flights time in each day of the week (Air Traffic)</a:t>
-            </a:r>
-          </a:p>
-        </p:txBody>
-      </p:sp>
-      <p:pic>
-        <p:nvPicPr>
-          <p:cNvPr id="6" name="Picture 5">
-            <a:extLst>
-              <a:ext uri="{FF2B5EF4-FFF2-40B4-BE49-F238E27FC236}">
-                <a16:creationId xmlns:a16="http://schemas.microsoft.com/office/drawing/2014/main" id="{4119EB5E-DBDF-46BF-8E64-EF30BA8F43CA}"/>
-              </a:ext>
-            </a:extLst>
-          </p:cNvPr>
-          <p:cNvPicPr>
-            <a:picLocks noChangeAspect="1"/>
-          </p:cNvPicPr>
-          <p:nvPr/>
-        </p:nvPicPr>
-        <p:blipFill>
-          <a:blip r:embed="rId2"/>
-          <a:stretch>
-            <a:fillRect/>
-          </a:stretch>
-        </p:blipFill>
-        <p:spPr>
-          <a:xfrm>
-            <a:off x="2535566" y="1426865"/>
-            <a:ext cx="5871041" cy="3039586"/>
-          </a:xfrm>
-          <a:prstGeom prst="rect">
-            <a:avLst/>
-          </a:prstGeom>
-        </p:spPr>
-      </p:pic>
+            <a:endParaRPr lang="en-US" dirty="0">
+              <a:solidFill>
+                <a:srgbClr val="FFFFFF"/>
+              </a:solidFill>
+            </a:endParaRPr>
+          </a:p>
+        </p:txBody>
+      </p:sp>
     </p:spTree>
     <p:extLst>
       <p:ext uri="{BB962C8B-B14F-4D97-AF65-F5344CB8AC3E}">
-        <p14:creationId xmlns:p14="http://schemas.microsoft.com/office/powerpoint/2010/main" val="160234905"/>
+        <p14:creationId xmlns:p14="http://schemas.microsoft.com/office/powerpoint/2010/main" val="1356638006"/>
       </p:ext>
     </p:extLst>
   </p:cSld>
@@ -6772,7 +7506,7 @@
                   <a:srgbClr val="FFFFFF"/>
                 </a:solidFill>
               </a:rPr>
-              <a:t>difference between the scheduled access time and the actual time</a:t>
+              <a:t>the delay departure time for each city, the minus number means early departure</a:t>
             </a:r>
           </a:p>
         </p:txBody>
@@ -6782,7 +7516,7 @@
           <p:cNvPr id="5" name="Picture 4">
             <a:extLst>
               <a:ext uri="{FF2B5EF4-FFF2-40B4-BE49-F238E27FC236}">
-                <a16:creationId xmlns:a16="http://schemas.microsoft.com/office/drawing/2014/main" id="{2D0D0463-BE10-4169-93F6-DB9A931528F2}"/>
+                <a16:creationId xmlns:a16="http://schemas.microsoft.com/office/drawing/2014/main" id="{A5D684C6-03D1-4DD5-8F4D-A45E37E38151}"/>
               </a:ext>
             </a:extLst>
           </p:cNvPr>
@@ -6799,8 +7533,8 @@
         </p:blipFill>
         <p:spPr>
           <a:xfrm>
-            <a:off x="2536732" y="1236047"/>
-            <a:ext cx="7034601" cy="3393161"/>
+            <a:off x="662442" y="1340495"/>
+            <a:ext cx="10867116" cy="3439026"/>
           </a:xfrm>
           <a:prstGeom prst="rect">
             <a:avLst/>
@@ -6810,7 +7544,7 @@
     </p:spTree>
     <p:extLst>
       <p:ext uri="{BB962C8B-B14F-4D97-AF65-F5344CB8AC3E}">
-        <p14:creationId xmlns:p14="http://schemas.microsoft.com/office/powerpoint/2010/main" val="1556001010"/>
+        <p14:creationId xmlns:p14="http://schemas.microsoft.com/office/powerpoint/2010/main" val="1800586660"/>
       </p:ext>
     </p:extLst>
   </p:cSld>
@@ -7037,7 +7771,7 @@
                   <a:srgbClr val="FFFFFF"/>
                 </a:solidFill>
               </a:rPr>
-              <a:t>the relationship between flight delays due to civil aviation and the distance between airports</a:t>
+              <a:t>the number of flights time in each day of the week (Air Traffic)</a:t>
             </a:r>
           </a:p>
         </p:txBody>
@@ -7047,7 +7781,7 @@
           <p:cNvPr id="6" name="Picture 5">
             <a:extLst>
               <a:ext uri="{FF2B5EF4-FFF2-40B4-BE49-F238E27FC236}">
-                <a16:creationId xmlns:a16="http://schemas.microsoft.com/office/drawing/2014/main" id="{23097902-DB51-40CD-A3B7-57ABAD3A694D}"/>
+                <a16:creationId xmlns:a16="http://schemas.microsoft.com/office/drawing/2014/main" id="{4119EB5E-DBDF-46BF-8E64-EF30BA8F43CA}"/>
               </a:ext>
             </a:extLst>
           </p:cNvPr>
@@ -7064,8 +7798,8 @@
         </p:blipFill>
         <p:spPr>
           <a:xfrm>
-            <a:off x="3831495" y="1311990"/>
-            <a:ext cx="3606111" cy="3455295"/>
+            <a:off x="2535566" y="1426865"/>
+            <a:ext cx="5871041" cy="3039586"/>
           </a:xfrm>
           <a:prstGeom prst="rect">
             <a:avLst/>
@@ -7075,7 +7809,7 @@
     </p:spTree>
     <p:extLst>
       <p:ext uri="{BB962C8B-B14F-4D97-AF65-F5344CB8AC3E}">
-        <p14:creationId xmlns:p14="http://schemas.microsoft.com/office/powerpoint/2010/main" val="1958905417"/>
+        <p14:creationId xmlns:p14="http://schemas.microsoft.com/office/powerpoint/2010/main" val="160234905"/>
       </p:ext>
     </p:extLst>
   </p:cSld>
